--- a/files/slides/lecture_26.pptx
+++ b/files/slides/lecture_26.pptx
@@ -7186,7 +7186,7 @@
               <a:r>
                 <a:rPr lang="zh-CN" altLang="en-US" sz="2000" b="1" dirty="0">
                   <a:solidFill>
-                    <a:srgbClr val="FF0000"/>
+                    <a:srgbClr val="00B0F0"/>
                   </a:solidFill>
                   <a:latin typeface="微软雅黑" panose="020B0503020204020204" charset="-122"/>
                   <a:ea typeface="微软雅黑" panose="020B0503020204020204" charset="-122"/>
@@ -7195,7 +7195,7 @@
               </a:r>
               <a:endParaRPr lang="zh-CN" altLang="en-US" sz="2000" b="1" dirty="0">
                 <a:solidFill>
-                  <a:srgbClr val="FF0000"/>
+                  <a:srgbClr val="00B0F0"/>
                 </a:solidFill>
                 <a:latin typeface="微软雅黑" panose="020B0503020204020204" charset="-122"/>
                 <a:ea typeface="微软雅黑" panose="020B0503020204020204" charset="-122"/>
@@ -7241,7 +7241,7 @@
               <a:r>
                 <a:rPr lang="zh-CN" altLang="en-US" sz="2000" b="1" dirty="0">
                   <a:solidFill>
-                    <a:srgbClr val="FF0000"/>
+                    <a:srgbClr val="00B0F0"/>
                   </a:solidFill>
                   <a:latin typeface="微软雅黑" panose="020B0503020204020204" charset="-122"/>
                   <a:ea typeface="微软雅黑" panose="020B0503020204020204" charset="-122"/>
@@ -7250,7 +7250,7 @@
               </a:r>
               <a:endParaRPr lang="en-US" altLang="zh-CN" sz="2000" b="1" dirty="0">
                 <a:solidFill>
-                  <a:srgbClr val="FF0000"/>
+                  <a:srgbClr val="00B0F0"/>
                 </a:solidFill>
                 <a:latin typeface="微软雅黑" panose="020B0503020204020204" charset="-122"/>
                 <a:ea typeface="微软雅黑" panose="020B0503020204020204" charset="-122"/>
@@ -7271,16 +7271,16 @@
               <a:r>
                 <a:rPr lang="zh-CN" altLang="en-US" sz="2000" b="1" dirty="0">
                   <a:solidFill>
-                    <a:srgbClr val="FF0000"/>
+                    <a:srgbClr val="00B0F0"/>
                   </a:solidFill>
                   <a:latin typeface="微软雅黑" panose="020B0503020204020204" charset="-122"/>
                   <a:ea typeface="微软雅黑" panose="020B0503020204020204" charset="-122"/>
                 </a:rPr>
                 <a:t>权人利益</a:t>
               </a:r>
-              <a:endParaRPr lang="en-US" altLang="zh-CN" sz="2000" dirty="0">
+              <a:endParaRPr lang="zh-CN" altLang="en-US" sz="2000" b="1" dirty="0">
                 <a:solidFill>
-                  <a:srgbClr val="FF0000"/>
+                  <a:srgbClr val="00B0F0"/>
                 </a:solidFill>
                 <a:latin typeface="微软雅黑" panose="020B0503020204020204" charset="-122"/>
                 <a:ea typeface="微软雅黑" panose="020B0503020204020204" charset="-122"/>
@@ -7323,7 +7323,7 @@
               <a:r>
                 <a:rPr lang="zh-CN" altLang="en-US" sz="2000" b="1" dirty="0">
                   <a:solidFill>
-                    <a:srgbClr val="FF0000"/>
+                    <a:srgbClr val="00B0F0"/>
                   </a:solidFill>
                   <a:latin typeface="微软雅黑" panose="020B0503020204020204" charset="-122"/>
                   <a:ea typeface="微软雅黑" panose="020B0503020204020204" charset="-122"/>
@@ -7332,7 +7332,7 @@
               </a:r>
               <a:endParaRPr lang="zh-CN" altLang="en-US" sz="2000" b="1" dirty="0">
                 <a:solidFill>
-                  <a:srgbClr val="FF0000"/>
+                  <a:srgbClr val="00B0F0"/>
                 </a:solidFill>
                 <a:latin typeface="微软雅黑" panose="020B0503020204020204" charset="-122"/>
                 <a:ea typeface="微软雅黑" panose="020B0503020204020204" charset="-122"/>
@@ -7375,7 +7375,7 @@
               <a:r>
                 <a:rPr lang="zh-CN" altLang="en-US" sz="2000" b="1" dirty="0">
                   <a:solidFill>
-                    <a:srgbClr val="FF0000"/>
+                    <a:srgbClr val="00B0F0"/>
                   </a:solidFill>
                   <a:latin typeface="微软雅黑" panose="020B0503020204020204" charset="-122"/>
                   <a:ea typeface="微软雅黑" panose="020B0503020204020204" charset="-122"/>
@@ -7384,7 +7384,7 @@
               </a:r>
               <a:endParaRPr lang="en-US" altLang="zh-CN" sz="2000" b="1" dirty="0">
                 <a:solidFill>
-                  <a:srgbClr val="FF0000"/>
+                  <a:srgbClr val="00B0F0"/>
                 </a:solidFill>
                 <a:latin typeface="微软雅黑" panose="020B0503020204020204" charset="-122"/>
                 <a:ea typeface="微软雅黑" panose="020B0503020204020204" charset="-122"/>
@@ -7402,16 +7402,16 @@
               <a:r>
                 <a:rPr lang="zh-CN" altLang="en-US" sz="2000" b="1" dirty="0">
                   <a:solidFill>
-                    <a:srgbClr val="FF0000"/>
+                    <a:srgbClr val="00B0F0"/>
                   </a:solidFill>
                   <a:latin typeface="微软雅黑" panose="020B0503020204020204" charset="-122"/>
                   <a:ea typeface="微软雅黑" panose="020B0503020204020204" charset="-122"/>
                 </a:rPr>
                 <a:t>体系完善</a:t>
               </a:r>
-              <a:endParaRPr lang="en-US" altLang="zh-CN" sz="2000" dirty="0">
+              <a:endParaRPr lang="zh-CN" altLang="en-US" sz="2000" b="1" dirty="0">
                 <a:solidFill>
-                  <a:srgbClr val="FF0000"/>
+                  <a:srgbClr val="00B0F0"/>
                 </a:solidFill>
                 <a:latin typeface="微软雅黑" panose="020B0503020204020204" charset="-122"/>
                 <a:ea typeface="微软雅黑" panose="020B0503020204020204" charset="-122"/>
@@ -7454,7 +7454,7 @@
               <a:r>
                 <a:rPr lang="zh-CN" altLang="en-US" sz="2000" b="1" dirty="0">
                   <a:solidFill>
-                    <a:srgbClr val="FF0000"/>
+                    <a:srgbClr val="00B0F0"/>
                   </a:solidFill>
                   <a:latin typeface="微软雅黑" panose="020B0503020204020204" charset="-122"/>
                   <a:ea typeface="微软雅黑" panose="020B0503020204020204" charset="-122"/>
@@ -7463,7 +7463,7 @@
               </a:r>
               <a:endParaRPr lang="en-US" altLang="zh-CN" sz="2000" b="1" dirty="0">
                 <a:solidFill>
-                  <a:srgbClr val="FF0000"/>
+                  <a:srgbClr val="00B0F0"/>
                 </a:solidFill>
                 <a:latin typeface="微软雅黑" panose="020B0503020204020204" charset="-122"/>
                 <a:ea typeface="微软雅黑" panose="020B0503020204020204" charset="-122"/>
@@ -7481,16 +7481,16 @@
               <a:r>
                 <a:rPr lang="zh-CN" altLang="en-US" sz="2000" b="1" dirty="0">
                   <a:solidFill>
-                    <a:srgbClr val="FF0000"/>
+                    <a:srgbClr val="00B0F0"/>
                   </a:solidFill>
                   <a:latin typeface="微软雅黑" panose="020B0503020204020204" charset="-122"/>
                   <a:ea typeface="微软雅黑" panose="020B0503020204020204" charset="-122"/>
                 </a:rPr>
                 <a:t>经济发展</a:t>
               </a:r>
-              <a:endParaRPr lang="en-US" altLang="zh-CN" sz="2000" dirty="0">
+              <a:endParaRPr lang="zh-CN" altLang="en-US" sz="2000" b="1" dirty="0">
                 <a:solidFill>
-                  <a:srgbClr val="FF0000"/>
+                  <a:srgbClr val="00B0F0"/>
                 </a:solidFill>
                 <a:latin typeface="微软雅黑" panose="020B0503020204020204" charset="-122"/>
                 <a:ea typeface="微软雅黑" panose="020B0503020204020204" charset="-122"/>
@@ -8845,12 +8845,22 @@
                 <a:r>
                   <a:rPr lang="zh-CN" altLang="en-US" sz="2000" dirty="0">
                     <a:solidFill>
+                      <a:srgbClr val="00B0F0"/>
+                    </a:solidFill>
+                    <a:latin typeface="微软雅黑" panose="020B0503020204020204" charset="-122"/>
+                    <a:ea typeface="微软雅黑" panose="020B0503020204020204" charset="-122"/>
+                  </a:rPr>
+                  <a:t>其承保对象一般是海外投资者</a:t>
+                </a:r>
+                <a:r>
+                  <a:rPr lang="zh-CN" altLang="en-US" sz="2000" dirty="0">
+                    <a:solidFill>
                       <a:srgbClr val="000000"/>
                     </a:solidFill>
                     <a:latin typeface="微软雅黑" panose="020B0503020204020204" charset="-122"/>
                     <a:ea typeface="微软雅黑" panose="020B0503020204020204" charset="-122"/>
                   </a:rPr>
-                  <a:t>其承保对象一般是海外投资者。</a:t>
+                  <a:t>。</a:t>
                 </a:r>
                 <a:endParaRPr lang="en-US" altLang="zh-CN" sz="2000" dirty="0">
                   <a:solidFill>
@@ -13667,7 +13677,7 @@
                   <a:noFill/>
                 </a:ln>
                 <a:solidFill>
-                  <a:srgbClr val="FF0000"/>
+                  <a:srgbClr val="00B0F0"/>
                 </a:solidFill>
                 <a:effectLst/>
                 <a:uLnTx/>
@@ -13701,7 +13711,7 @@
                   <a:noFill/>
                 </a:ln>
                 <a:solidFill>
-                  <a:srgbClr val="FF0000"/>
+                  <a:srgbClr val="00B0F0"/>
                 </a:solidFill>
                 <a:effectLst/>
                 <a:uLnTx/>
@@ -13803,7 +13813,7 @@
                   <a:noFill/>
                 </a:ln>
                 <a:solidFill>
-                  <a:srgbClr val="FF0000"/>
+                  <a:srgbClr val="00B0F0"/>
                 </a:solidFill>
                 <a:effectLst/>
                 <a:uLnTx/>
@@ -13829,7 +13839,7 @@
                 <a:ea typeface="微软雅黑" panose="020B0503020204020204" charset="-122"/>
                 <a:cs typeface="微软雅黑" panose="020B0503020204020204" charset="-122"/>
               </a:rPr>
-              <a:t>。外部增加是</a:t>
+              <a:t>。外部增级是</a:t>
             </a:r>
             <a:r>
               <a:rPr kumimoji="0" lang="zh-CN" altLang="zh-CN" sz="2400" b="0" i="0" u="none" strike="noStrike" kern="0" cap="none" spc="0" normalizeH="0" baseline="0" noProof="0" dirty="0">
@@ -13837,7 +13847,7 @@
                   <a:noFill/>
                 </a:ln>
                 <a:solidFill>
-                  <a:srgbClr val="FF0000"/>
+                  <a:srgbClr val="00B0F0"/>
                 </a:solidFill>
                 <a:effectLst/>
                 <a:uLnTx/>
@@ -13846,7 +13856,24 @@
                 <a:ea typeface="微软雅黑" panose="020B0503020204020204" charset="-122"/>
                 <a:cs typeface="微软雅黑" panose="020B0503020204020204" charset="-122"/>
               </a:rPr>
-              <a:t>藉由有外部第三方机构提供信用增加</a:t>
+              <a:t>藉由外部第三方机构提供信用增加</a:t>
+            </a:r>
+            <a:r>
+              <a:rPr kumimoji="0" lang="zh-CN" altLang="zh-CN" sz="2400" b="0" i="0" u="none" strike="noStrike" kern="0" cap="none" spc="0" normalizeH="0" baseline="0" noProof="0" dirty="0">
+                <a:ln>
+                  <a:noFill/>
+                </a:ln>
+                <a:solidFill>
+                  <a:schemeClr val="tx1"/>
+                </a:solidFill>
+                <a:effectLst/>
+                <a:uLnTx/>
+                <a:uFillTx/>
+                <a:latin typeface="微软雅黑" panose="020B0503020204020204" charset="-122"/>
+                <a:ea typeface="微软雅黑" panose="020B0503020204020204" charset="-122"/>
+                <a:cs typeface="微软雅黑" panose="020B0503020204020204" charset="-122"/>
+              </a:rPr>
+              <a:t>。</a:t>
             </a:r>
             <a:endParaRPr kumimoji="0" lang="zh-CN" altLang="zh-CN" sz="2400" b="0" i="0" u="none" strike="noStrike" kern="0" cap="none" spc="0" normalizeH="0" baseline="0" noProof="0" dirty="0">
               <a:ln>
@@ -13897,7 +13924,7 @@
                 <a:ea typeface="微软雅黑" panose="020B0503020204020204" charset="-122"/>
                 <a:cs typeface="微软雅黑" panose="020B0503020204020204" charset="-122"/>
               </a:rPr>
-              <a:t>（二）信用增级机构</a:t>
+              <a:t>（二）信用增级机构（用于外部增级）</a:t>
             </a:r>
             <a:endParaRPr kumimoji="0" lang="zh-CN" altLang="zh-CN" sz="2400" b="1" i="0" u="none" strike="noStrike" kern="0" cap="none" spc="0" normalizeH="0" baseline="0" noProof="0" dirty="0">
               <a:ln>
@@ -13990,7 +14017,7 @@
                   <a:noFill/>
                 </a:ln>
                 <a:solidFill>
-                  <a:srgbClr val="FF0000"/>
+                  <a:srgbClr val="00B0F0"/>
                 </a:solidFill>
                 <a:effectLst/>
                 <a:uLnTx/>
@@ -14007,7 +14034,7 @@
                   <a:noFill/>
                 </a:ln>
                 <a:solidFill>
-                  <a:srgbClr val="FF0000"/>
+                  <a:srgbClr val="00B0F0"/>
                 </a:solidFill>
                 <a:effectLst/>
                 <a:uLnTx/>
@@ -14791,7 +14818,7 @@
                     <a:noFill/>
                   </a:ln>
                   <a:solidFill>
-                    <a:srgbClr val="FF0000"/>
+                    <a:srgbClr val="00B0F0"/>
                   </a:solidFill>
                   <a:effectLst/>
                   <a:uLnTx/>
@@ -14807,7 +14834,7 @@
                   <a:noFill/>
                 </a:ln>
                 <a:solidFill>
-                  <a:srgbClr val="FF0000"/>
+                  <a:srgbClr val="00B0F0"/>
                 </a:solidFill>
                 <a:effectLst/>
                 <a:uLnTx/>
@@ -14892,7 +14919,7 @@
                     <a:noFill/>
                   </a:ln>
                   <a:solidFill>
-                    <a:srgbClr val="FF0000"/>
+                    <a:srgbClr val="00B0F0"/>
                   </a:solidFill>
                   <a:effectLst/>
                   <a:uLnTx/>
@@ -26309,7 +26336,7 @@
               <a:r>
                 <a:rPr lang="zh-CN" altLang="en-US" sz="2400" b="1" dirty="0">
                   <a:solidFill>
-                    <a:srgbClr val="00B050"/>
+                    <a:srgbClr val="00B0F0"/>
                   </a:solidFill>
                   <a:latin typeface="微软雅黑" panose="020B0503020204020204" charset="-122"/>
                   <a:ea typeface="微软雅黑" panose="020B0503020204020204" charset="-122"/>
@@ -26318,7 +26345,7 @@
               </a:r>
               <a:endParaRPr lang="zh-CN" altLang="en-US" sz="2400" b="1" dirty="0">
                 <a:solidFill>
-                  <a:srgbClr val="00B050"/>
+                  <a:srgbClr val="00B0F0"/>
                 </a:solidFill>
                 <a:latin typeface="微软雅黑" panose="020B0503020204020204" charset="-122"/>
                 <a:ea typeface="微软雅黑" panose="020B0503020204020204" charset="-122"/>
@@ -26361,7 +26388,7 @@
               <a:r>
                 <a:rPr lang="zh-CN" altLang="en-US" sz="2400" b="1" dirty="0">
                   <a:solidFill>
-                    <a:srgbClr val="00B050"/>
+                    <a:srgbClr val="00B0F0"/>
                   </a:solidFill>
                   <a:latin typeface="微软雅黑" panose="020B0503020204020204" charset="-122"/>
                   <a:ea typeface="微软雅黑" panose="020B0503020204020204" charset="-122"/>
@@ -26370,7 +26397,7 @@
               </a:r>
               <a:endParaRPr lang="zh-CN" altLang="en-US" sz="2400" b="1" dirty="0">
                 <a:solidFill>
-                  <a:srgbClr val="00B050"/>
+                  <a:srgbClr val="00B0F0"/>
                 </a:solidFill>
                 <a:latin typeface="微软雅黑" panose="020B0503020204020204" charset="-122"/>
                 <a:ea typeface="微软雅黑" panose="020B0503020204020204" charset="-122"/>
@@ -26413,7 +26440,7 @@
               <a:r>
                 <a:rPr lang="zh-CN" altLang="en-US" sz="2400" b="1" dirty="0">
                   <a:solidFill>
-                    <a:srgbClr val="00B050"/>
+                    <a:srgbClr val="00B0F0"/>
                   </a:solidFill>
                   <a:latin typeface="微软雅黑" panose="020B0503020204020204" charset="-122"/>
                   <a:ea typeface="微软雅黑" panose="020B0503020204020204" charset="-122"/>
@@ -26422,7 +26449,7 @@
               </a:r>
               <a:endParaRPr lang="zh-CN" altLang="en-US" sz="2400" b="1" dirty="0">
                 <a:solidFill>
-                  <a:srgbClr val="00B050"/>
+                  <a:srgbClr val="00B0F0"/>
                 </a:solidFill>
                 <a:latin typeface="微软雅黑" panose="020B0503020204020204" charset="-122"/>
                 <a:ea typeface="微软雅黑" panose="020B0503020204020204" charset="-122"/>
@@ -26465,7 +26492,7 @@
               <a:r>
                 <a:rPr lang="zh-CN" altLang="en-US" sz="2400" b="1" dirty="0">
                   <a:solidFill>
-                    <a:srgbClr val="00B050"/>
+                    <a:srgbClr val="00B0F0"/>
                   </a:solidFill>
                   <a:latin typeface="微软雅黑" panose="020B0503020204020204" charset="-122"/>
                   <a:ea typeface="微软雅黑" panose="020B0503020204020204" charset="-122"/>
@@ -26475,7 +26502,7 @@
               </a:r>
               <a:endParaRPr lang="zh-CN" altLang="en-US" sz="2400" b="1" dirty="0">
                 <a:solidFill>
-                  <a:srgbClr val="00B050"/>
+                  <a:srgbClr val="00B0F0"/>
                 </a:solidFill>
                 <a:latin typeface="微软雅黑" panose="020B0503020204020204" charset="-122"/>
                 <a:ea typeface="微软雅黑" panose="020B0503020204020204" charset="-122"/>
@@ -26519,7 +26546,7 @@
               <a:r>
                 <a:rPr lang="zh-CN" altLang="en-US" sz="2400" b="1" dirty="0">
                   <a:solidFill>
-                    <a:srgbClr val="00B050"/>
+                    <a:srgbClr val="00B0F0"/>
                   </a:solidFill>
                   <a:latin typeface="微软雅黑" panose="020B0503020204020204" charset="-122"/>
                   <a:ea typeface="微软雅黑" panose="020B0503020204020204" charset="-122"/>
@@ -26528,7 +26555,7 @@
               </a:r>
               <a:endParaRPr lang="zh-CN" altLang="en-US" sz="2400" b="1" dirty="0">
                 <a:solidFill>
-                  <a:srgbClr val="00B050"/>
+                  <a:srgbClr val="00B0F0"/>
                 </a:solidFill>
                 <a:latin typeface="微软雅黑" panose="020B0503020204020204" charset="-122"/>
                 <a:ea typeface="微软雅黑" panose="020B0503020204020204" charset="-122"/>
@@ -27869,7 +27896,7 @@
             <a:r>
               <a:rPr lang="zh-CN" altLang="en-US">
                 <a:solidFill>
-                  <a:srgbClr val="FF0000"/>
+                  <a:srgbClr val="00B0F0"/>
                 </a:solidFill>
                 <a:latin typeface="微软雅黑" panose="020B0503020204020204" charset="-122"/>
                 <a:ea typeface="微软雅黑" panose="020B0503020204020204" charset="-122"/>
@@ -27886,7 +27913,7 @@
             <a:r>
               <a:rPr lang="zh-CN" altLang="en-US">
                 <a:solidFill>
-                  <a:srgbClr val="FF0000"/>
+                  <a:srgbClr val="00B0F0"/>
                 </a:solidFill>
                 <a:latin typeface="微软雅黑" panose="020B0503020204020204" charset="-122"/>
                 <a:ea typeface="微软雅黑" panose="020B0503020204020204" charset="-122"/>
@@ -27903,7 +27930,7 @@
             <a:r>
               <a:rPr lang="zh-CN" altLang="en-US">
                 <a:solidFill>
-                  <a:srgbClr val="FF0000"/>
+                  <a:srgbClr val="00B0F0"/>
                 </a:solidFill>
                 <a:latin typeface="微软雅黑" panose="020B0503020204020204" charset="-122"/>
                 <a:ea typeface="微软雅黑" panose="020B0503020204020204" charset="-122"/>
@@ -30828,7 +30855,28 @@
                     <a:latin typeface="微软雅黑" panose="020B0503020204020204" charset="-122"/>
                     <a:ea typeface="微软雅黑" panose="020B0503020204020204" charset="-122"/>
                   </a:rPr>
-                  <a:t>需要通过对市场主体诚信进行教育，使诚信成为市场主体的自觉行为，这样既能预防失信，又能大大降低社会交易成本</a:t>
+                  <a:t>需要通过对市场主体进行</a:t>
+                </a:r>
+                <a:r>
+                  <a:rPr lang="zh-CN" altLang="en-US" sz="2400" dirty="0">
+                    <a:solidFill>
+                      <a:srgbClr val="000000"/>
+                    </a:solidFill>
+                    <a:latin typeface="微软雅黑" panose="020B0503020204020204" charset="-122"/>
+                    <a:ea typeface="微软雅黑" panose="020B0503020204020204" charset="-122"/>
+                    <a:sym typeface="+mn-ea"/>
+                  </a:rPr>
+                  <a:t>诚信</a:t>
+                </a:r>
+                <a:r>
+                  <a:rPr lang="zh-CN" altLang="en-US" sz="2400" dirty="0">
+                    <a:solidFill>
+                      <a:srgbClr val="000000"/>
+                    </a:solidFill>
+                    <a:latin typeface="微软雅黑" panose="020B0503020204020204" charset="-122"/>
+                    <a:ea typeface="微软雅黑" panose="020B0503020204020204" charset="-122"/>
+                  </a:rPr>
+                  <a:t>教育，使诚信成为市场主体的自觉行为，这样既能预防失信，又能大大降低社会交易成本</a:t>
                 </a:r>
                 <a:endParaRPr lang="zh-CN" altLang="en-US" sz="2400" dirty="0">
                   <a:solidFill>
